--- a/yamanashi/水素基本戦略.pptx
+++ b/yamanashi/水素基本戦略.pptx
@@ -5,7 +5,7 @@
     <p:sldMasterId id="2147483756" r:id="rId1"/>
   </p:sldMasterIdLst>
   <p:notesMasterIdLst>
-    <p:notesMasterId r:id="rId13"/>
+    <p:notesMasterId r:id="rId16"/>
   </p:notesMasterIdLst>
   <p:sldIdLst>
     <p:sldId id="269" r:id="rId2"/>
@@ -17,8 +17,11 @@
     <p:sldId id="540" r:id="rId8"/>
     <p:sldId id="541" r:id="rId9"/>
     <p:sldId id="542" r:id="rId10"/>
-    <p:sldId id="531" r:id="rId11"/>
-    <p:sldId id="286" r:id="rId12"/>
+    <p:sldId id="543" r:id="rId11"/>
+    <p:sldId id="544" r:id="rId12"/>
+    <p:sldId id="545" r:id="rId13"/>
+    <p:sldId id="531" r:id="rId14"/>
+    <p:sldId id="286" r:id="rId15"/>
   </p:sldIdLst>
   <p:sldSz cx="12192000" cy="6858000"/>
   <p:notesSz cx="6858000" cy="9144000"/>
@@ -210,7 +213,7 @@
           <a:p>
             <a:fld id="{82150B36-03E6-4D3A-8098-12EB1C30C067}" type="datetimeFigureOut">
               <a:rPr kumimoji="1" lang="ja-JP" altLang="en-US" smtClean="0"/>
-              <a:t>2023/12/6</a:t>
+              <a:t>2024/3/7</a:t>
             </a:fld>
             <a:endParaRPr kumimoji="1" lang="ja-JP" altLang="en-US"/>
           </a:p>
@@ -624,7 +627,13 @@
   <p:cSld>
     <p:spTree>
       <p:nvGrpSpPr>
-        <p:cNvPr id="1" name=""/>
+        <p:cNvPr id="1" name="">
+          <a:extLst>
+            <a:ext uri="{FF2B5EF4-FFF2-40B4-BE49-F238E27FC236}">
+              <a16:creationId xmlns:a16="http://schemas.microsoft.com/office/drawing/2014/main" id="{BF7E8595-DACB-06A6-5439-5A07EC036698}"/>
+            </a:ext>
+          </a:extLst>
+        </p:cNvPr>
         <p:cNvGrpSpPr/>
         <p:nvPr/>
       </p:nvGrpSpPr>
@@ -638,7 +647,13 @@
       </p:grpSpPr>
       <p:sp>
         <p:nvSpPr>
-          <p:cNvPr id="2" name="スライド イメージ プレースホルダー 1"/>
+          <p:cNvPr id="2" name="スライド イメージ プレースホルダー 1">
+            <a:extLst>
+              <a:ext uri="{FF2B5EF4-FFF2-40B4-BE49-F238E27FC236}">
+                <a16:creationId xmlns:a16="http://schemas.microsoft.com/office/drawing/2014/main" id="{E0FAE25F-F469-8BF2-8ADE-24196BDA1916}"/>
+              </a:ext>
+            </a:extLst>
+          </p:cNvPr>
           <p:cNvSpPr>
             <a:spLocks noGrp="1" noRot="1" noChangeAspect="1"/>
           </p:cNvSpPr>
@@ -650,7 +665,13 @@
       </p:sp>
       <p:sp>
         <p:nvSpPr>
-          <p:cNvPr id="3" name="ノート プレースホルダー 2"/>
+          <p:cNvPr id="3" name="ノート プレースホルダー 2">
+            <a:extLst>
+              <a:ext uri="{FF2B5EF4-FFF2-40B4-BE49-F238E27FC236}">
+                <a16:creationId xmlns:a16="http://schemas.microsoft.com/office/drawing/2014/main" id="{3D3642E2-98B6-2FB6-637E-CF0D90F60563}"/>
+              </a:ext>
+            </a:extLst>
+          </p:cNvPr>
           <p:cNvSpPr>
             <a:spLocks noGrp="1"/>
           </p:cNvSpPr>
@@ -802,7 +823,13 @@
       </p:sp>
       <p:sp>
         <p:nvSpPr>
-          <p:cNvPr id="4" name="スライド番号プレースホルダー 3"/>
+          <p:cNvPr id="4" name="スライド番号プレースホルダー 3">
+            <a:extLst>
+              <a:ext uri="{FF2B5EF4-FFF2-40B4-BE49-F238E27FC236}">
+                <a16:creationId xmlns:a16="http://schemas.microsoft.com/office/drawing/2014/main" id="{5405A19D-C25B-7E2A-C716-C47C07F1D33D}"/>
+              </a:ext>
+            </a:extLst>
+          </p:cNvPr>
           <p:cNvSpPr>
             <a:spLocks noGrp="1"/>
           </p:cNvSpPr>
@@ -826,7 +853,7 @@
     </p:spTree>
     <p:extLst>
       <p:ext uri="{BB962C8B-B14F-4D97-AF65-F5344CB8AC3E}">
-        <p14:creationId xmlns:p14="http://schemas.microsoft.com/office/powerpoint/2010/main" val="2088502752"/>
+        <p14:creationId xmlns:p14="http://schemas.microsoft.com/office/powerpoint/2010/main" val="598820433"/>
       </p:ext>
     </p:extLst>
   </p:cSld>
@@ -837,6 +864,488 @@
 </file>
 
 <file path=ppt/notesSlides/notesSlide11.xml><?xml version="1.0" encoding="utf-8"?>
+<p:notes xmlns:a="http://schemas.openxmlformats.org/drawingml/2006/main" xmlns:r="http://schemas.openxmlformats.org/officeDocument/2006/relationships" xmlns:p="http://schemas.openxmlformats.org/presentationml/2006/main">
+  <p:cSld>
+    <p:spTree>
+      <p:nvGrpSpPr>
+        <p:cNvPr id="1" name="">
+          <a:extLst>
+            <a:ext uri="{FF2B5EF4-FFF2-40B4-BE49-F238E27FC236}">
+              <a16:creationId xmlns:a16="http://schemas.microsoft.com/office/drawing/2014/main" id="{B9419580-22E9-9F28-F037-E14678F40FBB}"/>
+            </a:ext>
+          </a:extLst>
+        </p:cNvPr>
+        <p:cNvGrpSpPr/>
+        <p:nvPr/>
+      </p:nvGrpSpPr>
+      <p:grpSpPr>
+        <a:xfrm>
+          <a:off x="0" y="0"/>
+          <a:ext cx="0" cy="0"/>
+          <a:chOff x="0" y="0"/>
+          <a:chExt cx="0" cy="0"/>
+        </a:xfrm>
+      </p:grpSpPr>
+      <p:sp>
+        <p:nvSpPr>
+          <p:cNvPr id="2" name="スライド イメージ プレースホルダー 1">
+            <a:extLst>
+              <a:ext uri="{FF2B5EF4-FFF2-40B4-BE49-F238E27FC236}">
+                <a16:creationId xmlns:a16="http://schemas.microsoft.com/office/drawing/2014/main" id="{73E6BB62-5F1C-3E7B-0112-BA1430A90A50}"/>
+              </a:ext>
+            </a:extLst>
+          </p:cNvPr>
+          <p:cNvSpPr>
+            <a:spLocks noGrp="1" noRot="1" noChangeAspect="1"/>
+          </p:cNvSpPr>
+          <p:nvPr>
+            <p:ph type="sldImg"/>
+          </p:nvPr>
+        </p:nvSpPr>
+        <p:spPr/>
+      </p:sp>
+      <p:sp>
+        <p:nvSpPr>
+          <p:cNvPr id="3" name="ノート プレースホルダー 2">
+            <a:extLst>
+              <a:ext uri="{FF2B5EF4-FFF2-40B4-BE49-F238E27FC236}">
+                <a16:creationId xmlns:a16="http://schemas.microsoft.com/office/drawing/2014/main" id="{72472B23-11E5-ED72-E5FF-EAB3195F979E}"/>
+              </a:ext>
+            </a:extLst>
+          </p:cNvPr>
+          <p:cNvSpPr>
+            <a:spLocks noGrp="1"/>
+          </p:cNvSpPr>
+          <p:nvPr>
+            <p:ph type="body" idx="1"/>
+          </p:nvPr>
+        </p:nvSpPr>
+        <p:spPr/>
+        <p:txBody>
+          <a:bodyPr/>
+          <a:lstStyle/>
+          <a:p>
+            <a:pPr marL="0" marR="0" lvl="0" indent="0" algn="l" defTabSz="914400" rtl="0" eaLnBrk="1" fontAlgn="auto" latinLnBrk="0" hangingPunct="1">
+              <a:lnSpc>
+                <a:spcPct val="100000"/>
+              </a:lnSpc>
+              <a:spcBef>
+                <a:spcPts val="0"/>
+              </a:spcBef>
+              <a:spcAft>
+                <a:spcPts val="0"/>
+              </a:spcAft>
+              <a:buClrTx/>
+              <a:buSzTx/>
+              <a:buFontTx/>
+              <a:buNone/>
+              <a:tabLst/>
+              <a:defRPr/>
+            </a:pPr>
+            <a:r>
+              <a:rPr kumimoji="1" lang="ja-JP" altLang="en-US" dirty="0"/>
+              <a:t>（</a:t>
+            </a:r>
+            <a:r>
+              <a:rPr kumimoji="1" lang="en-US" altLang="ja-JP" dirty="0"/>
+              <a:t>0:08~0:31, 23sec</a:t>
+            </a:r>
+            <a:r>
+              <a:rPr kumimoji="1" lang="ja-JP" altLang="en-US" dirty="0"/>
+              <a:t>）</a:t>
+            </a:r>
+            <a:endParaRPr kumimoji="1" lang="en-US" altLang="ja-JP" dirty="0"/>
+          </a:p>
+          <a:p>
+            <a:pPr marL="0" marR="0" lvl="0" indent="0" algn="l" defTabSz="914400" rtl="0" eaLnBrk="1" fontAlgn="auto" latinLnBrk="0" hangingPunct="1">
+              <a:lnSpc>
+                <a:spcPct val="100000"/>
+              </a:lnSpc>
+              <a:spcBef>
+                <a:spcPts val="0"/>
+              </a:spcBef>
+              <a:spcAft>
+                <a:spcPts val="0"/>
+              </a:spcAft>
+              <a:buClrTx/>
+              <a:buSzTx/>
+              <a:buFontTx/>
+              <a:buNone/>
+              <a:tabLst/>
+              <a:defRPr/>
+            </a:pPr>
+            <a:r>
+              <a:rPr kumimoji="1" lang="ja-JP" altLang="en-US" dirty="0"/>
+              <a:t>本日聴講している方ですが、恐らく</a:t>
+            </a:r>
+            <a:r>
+              <a:rPr kumimoji="1" lang="en-US" altLang="ja-JP" dirty="0"/>
+              <a:t>2</a:t>
+            </a:r>
+            <a:r>
+              <a:rPr kumimoji="1" lang="ja-JP" altLang="en-US" dirty="0"/>
+              <a:t>つのケースを想定していると想像しています。</a:t>
+            </a:r>
+            <a:endParaRPr kumimoji="1" lang="en-US" altLang="ja-JP" dirty="0"/>
+          </a:p>
+          <a:p>
+            <a:pPr marL="0" marR="0" lvl="0" indent="0" algn="l" defTabSz="914400" rtl="0" eaLnBrk="1" fontAlgn="auto" latinLnBrk="0" hangingPunct="1">
+              <a:lnSpc>
+                <a:spcPct val="100000"/>
+              </a:lnSpc>
+              <a:spcBef>
+                <a:spcPts val="0"/>
+              </a:spcBef>
+              <a:spcAft>
+                <a:spcPts val="0"/>
+              </a:spcAft>
+              <a:buClrTx/>
+              <a:buSzTx/>
+              <a:buFontTx/>
+              <a:buNone/>
+              <a:tabLst/>
+              <a:defRPr/>
+            </a:pPr>
+            <a:r>
+              <a:rPr kumimoji="1" lang="en-US" altLang="ja-JP" dirty="0"/>
+              <a:t>1</a:t>
+            </a:r>
+            <a:r>
+              <a:rPr kumimoji="1" lang="ja-JP" altLang="en-US" dirty="0"/>
+              <a:t>つ目は社内業務での活用で、これは他社の</a:t>
+            </a:r>
+            <a:r>
+              <a:rPr kumimoji="1" lang="en-US" altLang="ja-JP" dirty="0"/>
+              <a:t>AI</a:t>
+            </a:r>
+            <a:r>
+              <a:rPr kumimoji="1" lang="ja-JP" altLang="en-US" dirty="0"/>
+              <a:t>サービスを用いて日々の業務の効率化を図るケースです。</a:t>
+            </a:r>
+            <a:endParaRPr kumimoji="1" lang="en-US" altLang="ja-JP" dirty="0"/>
+          </a:p>
+          <a:p>
+            <a:pPr marL="0" marR="0" lvl="0" indent="0" algn="l" defTabSz="914400" rtl="0" eaLnBrk="1" fontAlgn="auto" latinLnBrk="0" hangingPunct="1">
+              <a:lnSpc>
+                <a:spcPct val="100000"/>
+              </a:lnSpc>
+              <a:spcBef>
+                <a:spcPts val="0"/>
+              </a:spcBef>
+              <a:spcAft>
+                <a:spcPts val="0"/>
+              </a:spcAft>
+              <a:buClrTx/>
+              <a:buSzTx/>
+              <a:buFontTx/>
+              <a:buNone/>
+              <a:tabLst/>
+              <a:defRPr/>
+            </a:pPr>
+            <a:r>
+              <a:rPr kumimoji="1" lang="en-US" altLang="ja-JP" dirty="0"/>
+              <a:t>2</a:t>
+            </a:r>
+            <a:r>
+              <a:rPr kumimoji="1" lang="ja-JP" altLang="en-US" dirty="0"/>
+              <a:t>つ目はビジネス展開への活用で、これは</a:t>
+            </a:r>
+            <a:r>
+              <a:rPr kumimoji="1" lang="en-US" altLang="ja-JP" dirty="0"/>
+              <a:t>AI</a:t>
+            </a:r>
+            <a:r>
+              <a:rPr kumimoji="1" lang="ja-JP" altLang="en-US" dirty="0"/>
+              <a:t>技術に基づいてサービス化して、他社への提供を狙うケースです。</a:t>
+            </a:r>
+            <a:endParaRPr kumimoji="1" lang="en-US" altLang="ja-JP" dirty="0"/>
+          </a:p>
+        </p:txBody>
+      </p:sp>
+      <p:sp>
+        <p:nvSpPr>
+          <p:cNvPr id="4" name="スライド番号プレースホルダー 3">
+            <a:extLst>
+              <a:ext uri="{FF2B5EF4-FFF2-40B4-BE49-F238E27FC236}">
+                <a16:creationId xmlns:a16="http://schemas.microsoft.com/office/drawing/2014/main" id="{DE24A3CC-BD91-960B-88A8-C8EB9C735DE1}"/>
+              </a:ext>
+            </a:extLst>
+          </p:cNvPr>
+          <p:cNvSpPr>
+            <a:spLocks noGrp="1"/>
+          </p:cNvSpPr>
+          <p:nvPr>
+            <p:ph type="sldNum" sz="quarter" idx="5"/>
+          </p:nvPr>
+        </p:nvSpPr>
+        <p:spPr/>
+        <p:txBody>
+          <a:bodyPr/>
+          <a:lstStyle/>
+          <a:p>
+            <a:fld id="{234BF75D-FAA7-4C74-927E-D481AAC481B6}" type="slidenum">
+              <a:rPr kumimoji="1" lang="ja-JP" altLang="en-US" smtClean="0"/>
+              <a:t>11</a:t>
+            </a:fld>
+            <a:endParaRPr kumimoji="1" lang="ja-JP" altLang="en-US"/>
+          </a:p>
+        </p:txBody>
+      </p:sp>
+    </p:spTree>
+    <p:extLst>
+      <p:ext uri="{BB962C8B-B14F-4D97-AF65-F5344CB8AC3E}">
+        <p14:creationId xmlns:p14="http://schemas.microsoft.com/office/powerpoint/2010/main" val="1687715228"/>
+      </p:ext>
+    </p:extLst>
+  </p:cSld>
+  <p:clrMapOvr>
+    <a:masterClrMapping/>
+  </p:clrMapOvr>
+</p:notes>
+</file>
+
+<file path=ppt/notesSlides/notesSlide12.xml><?xml version="1.0" encoding="utf-8"?>
+<p:notes xmlns:a="http://schemas.openxmlformats.org/drawingml/2006/main" xmlns:r="http://schemas.openxmlformats.org/officeDocument/2006/relationships" xmlns:p="http://schemas.openxmlformats.org/presentationml/2006/main">
+  <p:cSld>
+    <p:spTree>
+      <p:nvGrpSpPr>
+        <p:cNvPr id="1" name="">
+          <a:extLst>
+            <a:ext uri="{FF2B5EF4-FFF2-40B4-BE49-F238E27FC236}">
+              <a16:creationId xmlns:a16="http://schemas.microsoft.com/office/drawing/2014/main" id="{EC94B80D-82E1-48B3-D57D-BC7C2B9F08AC}"/>
+            </a:ext>
+          </a:extLst>
+        </p:cNvPr>
+        <p:cNvGrpSpPr/>
+        <p:nvPr/>
+      </p:nvGrpSpPr>
+      <p:grpSpPr>
+        <a:xfrm>
+          <a:off x="0" y="0"/>
+          <a:ext cx="0" cy="0"/>
+          <a:chOff x="0" y="0"/>
+          <a:chExt cx="0" cy="0"/>
+        </a:xfrm>
+      </p:grpSpPr>
+      <p:sp>
+        <p:nvSpPr>
+          <p:cNvPr id="2" name="スライド イメージ プレースホルダー 1">
+            <a:extLst>
+              <a:ext uri="{FF2B5EF4-FFF2-40B4-BE49-F238E27FC236}">
+                <a16:creationId xmlns:a16="http://schemas.microsoft.com/office/drawing/2014/main" id="{C17E25F0-E2CC-43B7-13BF-160AB1E19257}"/>
+              </a:ext>
+            </a:extLst>
+          </p:cNvPr>
+          <p:cNvSpPr>
+            <a:spLocks noGrp="1" noRot="1" noChangeAspect="1"/>
+          </p:cNvSpPr>
+          <p:nvPr>
+            <p:ph type="sldImg"/>
+          </p:nvPr>
+        </p:nvSpPr>
+        <p:spPr/>
+      </p:sp>
+      <p:sp>
+        <p:nvSpPr>
+          <p:cNvPr id="3" name="ノート プレースホルダー 2">
+            <a:extLst>
+              <a:ext uri="{FF2B5EF4-FFF2-40B4-BE49-F238E27FC236}">
+                <a16:creationId xmlns:a16="http://schemas.microsoft.com/office/drawing/2014/main" id="{A1E3F398-0B7F-4BD0-B78E-F65C3692914B}"/>
+              </a:ext>
+            </a:extLst>
+          </p:cNvPr>
+          <p:cNvSpPr>
+            <a:spLocks noGrp="1"/>
+          </p:cNvSpPr>
+          <p:nvPr>
+            <p:ph type="body" idx="1"/>
+          </p:nvPr>
+        </p:nvSpPr>
+        <p:spPr/>
+        <p:txBody>
+          <a:bodyPr/>
+          <a:lstStyle/>
+          <a:p>
+            <a:pPr marL="0" marR="0" lvl="0" indent="0" algn="l" defTabSz="914400" rtl="0" eaLnBrk="1" fontAlgn="auto" latinLnBrk="0" hangingPunct="1">
+              <a:lnSpc>
+                <a:spcPct val="100000"/>
+              </a:lnSpc>
+              <a:spcBef>
+                <a:spcPts val="0"/>
+              </a:spcBef>
+              <a:spcAft>
+                <a:spcPts val="0"/>
+              </a:spcAft>
+              <a:buClrTx/>
+              <a:buSzTx/>
+              <a:buFontTx/>
+              <a:buNone/>
+              <a:tabLst/>
+              <a:defRPr/>
+            </a:pPr>
+            <a:r>
+              <a:rPr kumimoji="1" lang="ja-JP" altLang="en-US" dirty="0"/>
+              <a:t>（</a:t>
+            </a:r>
+            <a:r>
+              <a:rPr kumimoji="1" lang="en-US" altLang="ja-JP" dirty="0"/>
+              <a:t>0:08~0:31, 23sec</a:t>
+            </a:r>
+            <a:r>
+              <a:rPr kumimoji="1" lang="ja-JP" altLang="en-US" dirty="0"/>
+              <a:t>）</a:t>
+            </a:r>
+            <a:endParaRPr kumimoji="1" lang="en-US" altLang="ja-JP" dirty="0"/>
+          </a:p>
+          <a:p>
+            <a:pPr marL="0" marR="0" lvl="0" indent="0" algn="l" defTabSz="914400" rtl="0" eaLnBrk="1" fontAlgn="auto" latinLnBrk="0" hangingPunct="1">
+              <a:lnSpc>
+                <a:spcPct val="100000"/>
+              </a:lnSpc>
+              <a:spcBef>
+                <a:spcPts val="0"/>
+              </a:spcBef>
+              <a:spcAft>
+                <a:spcPts val="0"/>
+              </a:spcAft>
+              <a:buClrTx/>
+              <a:buSzTx/>
+              <a:buFontTx/>
+              <a:buNone/>
+              <a:tabLst/>
+              <a:defRPr/>
+            </a:pPr>
+            <a:r>
+              <a:rPr kumimoji="1" lang="ja-JP" altLang="en-US" dirty="0"/>
+              <a:t>本日聴講している方ですが、恐らく</a:t>
+            </a:r>
+            <a:r>
+              <a:rPr kumimoji="1" lang="en-US" altLang="ja-JP" dirty="0"/>
+              <a:t>2</a:t>
+            </a:r>
+            <a:r>
+              <a:rPr kumimoji="1" lang="ja-JP" altLang="en-US" dirty="0"/>
+              <a:t>つのケースを想定していると想像しています。</a:t>
+            </a:r>
+            <a:endParaRPr kumimoji="1" lang="en-US" altLang="ja-JP" dirty="0"/>
+          </a:p>
+          <a:p>
+            <a:pPr marL="0" marR="0" lvl="0" indent="0" algn="l" defTabSz="914400" rtl="0" eaLnBrk="1" fontAlgn="auto" latinLnBrk="0" hangingPunct="1">
+              <a:lnSpc>
+                <a:spcPct val="100000"/>
+              </a:lnSpc>
+              <a:spcBef>
+                <a:spcPts val="0"/>
+              </a:spcBef>
+              <a:spcAft>
+                <a:spcPts val="0"/>
+              </a:spcAft>
+              <a:buClrTx/>
+              <a:buSzTx/>
+              <a:buFontTx/>
+              <a:buNone/>
+              <a:tabLst/>
+              <a:defRPr/>
+            </a:pPr>
+            <a:r>
+              <a:rPr kumimoji="1" lang="en-US" altLang="ja-JP" dirty="0"/>
+              <a:t>1</a:t>
+            </a:r>
+            <a:r>
+              <a:rPr kumimoji="1" lang="ja-JP" altLang="en-US" dirty="0"/>
+              <a:t>つ目は社内業務での活用で、これは他社の</a:t>
+            </a:r>
+            <a:r>
+              <a:rPr kumimoji="1" lang="en-US" altLang="ja-JP" dirty="0"/>
+              <a:t>AI</a:t>
+            </a:r>
+            <a:r>
+              <a:rPr kumimoji="1" lang="ja-JP" altLang="en-US" dirty="0"/>
+              <a:t>サービスを用いて日々の業務の効率化を図るケースです。</a:t>
+            </a:r>
+            <a:endParaRPr kumimoji="1" lang="en-US" altLang="ja-JP" dirty="0"/>
+          </a:p>
+          <a:p>
+            <a:pPr marL="0" marR="0" lvl="0" indent="0" algn="l" defTabSz="914400" rtl="0" eaLnBrk="1" fontAlgn="auto" latinLnBrk="0" hangingPunct="1">
+              <a:lnSpc>
+                <a:spcPct val="100000"/>
+              </a:lnSpc>
+              <a:spcBef>
+                <a:spcPts val="0"/>
+              </a:spcBef>
+              <a:spcAft>
+                <a:spcPts val="0"/>
+              </a:spcAft>
+              <a:buClrTx/>
+              <a:buSzTx/>
+              <a:buFontTx/>
+              <a:buNone/>
+              <a:tabLst/>
+              <a:defRPr/>
+            </a:pPr>
+            <a:r>
+              <a:rPr kumimoji="1" lang="en-US" altLang="ja-JP" dirty="0"/>
+              <a:t>2</a:t>
+            </a:r>
+            <a:r>
+              <a:rPr kumimoji="1" lang="ja-JP" altLang="en-US" dirty="0"/>
+              <a:t>つ目はビジネス展開への活用で、これは</a:t>
+            </a:r>
+            <a:r>
+              <a:rPr kumimoji="1" lang="en-US" altLang="ja-JP" dirty="0"/>
+              <a:t>AI</a:t>
+            </a:r>
+            <a:r>
+              <a:rPr kumimoji="1" lang="ja-JP" altLang="en-US" dirty="0"/>
+              <a:t>技術に基づいてサービス化して、他社への提供を狙うケースです。</a:t>
+            </a:r>
+            <a:endParaRPr kumimoji="1" lang="en-US" altLang="ja-JP" dirty="0"/>
+          </a:p>
+        </p:txBody>
+      </p:sp>
+      <p:sp>
+        <p:nvSpPr>
+          <p:cNvPr id="4" name="スライド番号プレースホルダー 3">
+            <a:extLst>
+              <a:ext uri="{FF2B5EF4-FFF2-40B4-BE49-F238E27FC236}">
+                <a16:creationId xmlns:a16="http://schemas.microsoft.com/office/drawing/2014/main" id="{D58A3A01-1393-E49C-C188-065DE33EC723}"/>
+              </a:ext>
+            </a:extLst>
+          </p:cNvPr>
+          <p:cNvSpPr>
+            <a:spLocks noGrp="1"/>
+          </p:cNvSpPr>
+          <p:nvPr>
+            <p:ph type="sldNum" sz="quarter" idx="5"/>
+          </p:nvPr>
+        </p:nvSpPr>
+        <p:spPr/>
+        <p:txBody>
+          <a:bodyPr/>
+          <a:lstStyle/>
+          <a:p>
+            <a:fld id="{234BF75D-FAA7-4C74-927E-D481AAC481B6}" type="slidenum">
+              <a:rPr kumimoji="1" lang="ja-JP" altLang="en-US" smtClean="0"/>
+              <a:t>12</a:t>
+            </a:fld>
+            <a:endParaRPr kumimoji="1" lang="ja-JP" altLang="en-US"/>
+          </a:p>
+        </p:txBody>
+      </p:sp>
+    </p:spTree>
+    <p:extLst>
+      <p:ext uri="{BB962C8B-B14F-4D97-AF65-F5344CB8AC3E}">
+        <p14:creationId xmlns:p14="http://schemas.microsoft.com/office/powerpoint/2010/main" val="2658273550"/>
+      </p:ext>
+    </p:extLst>
+  </p:cSld>
+  <p:clrMapOvr>
+    <a:masterClrMapping/>
+  </p:clrMapOvr>
+</p:notes>
+</file>
+
+<file path=ppt/notesSlides/notesSlide13.xml><?xml version="1.0" encoding="utf-8"?>
 <p:notes xmlns:a="http://schemas.openxmlformats.org/drawingml/2006/main" xmlns:r="http://schemas.openxmlformats.org/officeDocument/2006/relationships" xmlns:p="http://schemas.openxmlformats.org/presentationml/2006/main">
   <p:cSld>
     <p:spTree>
@@ -880,7 +1389,140 @@
           <a:bodyPr/>
           <a:lstStyle/>
           <a:p>
-            <a:endParaRPr kumimoji="1" lang="ja-JP" altLang="en-US" dirty="0"/>
+            <a:pPr marL="0" marR="0" lvl="0" indent="0" algn="l" defTabSz="914400" rtl="0" eaLnBrk="1" fontAlgn="auto" latinLnBrk="0" hangingPunct="1">
+              <a:lnSpc>
+                <a:spcPct val="100000"/>
+              </a:lnSpc>
+              <a:spcBef>
+                <a:spcPts val="0"/>
+              </a:spcBef>
+              <a:spcAft>
+                <a:spcPts val="0"/>
+              </a:spcAft>
+              <a:buClrTx/>
+              <a:buSzTx/>
+              <a:buFontTx/>
+              <a:buNone/>
+              <a:tabLst/>
+              <a:defRPr/>
+            </a:pPr>
+            <a:r>
+              <a:rPr kumimoji="1" lang="ja-JP" altLang="en-US" dirty="0"/>
+              <a:t>（</a:t>
+            </a:r>
+            <a:r>
+              <a:rPr kumimoji="1" lang="en-US" altLang="ja-JP" dirty="0"/>
+              <a:t>0:08~0:31, 23sec</a:t>
+            </a:r>
+            <a:r>
+              <a:rPr kumimoji="1" lang="ja-JP" altLang="en-US" dirty="0"/>
+              <a:t>）</a:t>
+            </a:r>
+            <a:endParaRPr kumimoji="1" lang="en-US" altLang="ja-JP" dirty="0"/>
+          </a:p>
+          <a:p>
+            <a:pPr marL="0" marR="0" lvl="0" indent="0" algn="l" defTabSz="914400" rtl="0" eaLnBrk="1" fontAlgn="auto" latinLnBrk="0" hangingPunct="1">
+              <a:lnSpc>
+                <a:spcPct val="100000"/>
+              </a:lnSpc>
+              <a:spcBef>
+                <a:spcPts val="0"/>
+              </a:spcBef>
+              <a:spcAft>
+                <a:spcPts val="0"/>
+              </a:spcAft>
+              <a:buClrTx/>
+              <a:buSzTx/>
+              <a:buFontTx/>
+              <a:buNone/>
+              <a:tabLst/>
+              <a:defRPr/>
+            </a:pPr>
+            <a:r>
+              <a:rPr kumimoji="1" lang="ja-JP" altLang="en-US" dirty="0"/>
+              <a:t>本日聴講している方ですが、恐らく</a:t>
+            </a:r>
+            <a:r>
+              <a:rPr kumimoji="1" lang="en-US" altLang="ja-JP" dirty="0"/>
+              <a:t>2</a:t>
+            </a:r>
+            <a:r>
+              <a:rPr kumimoji="1" lang="ja-JP" altLang="en-US" dirty="0"/>
+              <a:t>つのケースを想定していると想像しています。</a:t>
+            </a:r>
+            <a:endParaRPr kumimoji="1" lang="en-US" altLang="ja-JP" dirty="0"/>
+          </a:p>
+          <a:p>
+            <a:pPr marL="0" marR="0" lvl="0" indent="0" algn="l" defTabSz="914400" rtl="0" eaLnBrk="1" fontAlgn="auto" latinLnBrk="0" hangingPunct="1">
+              <a:lnSpc>
+                <a:spcPct val="100000"/>
+              </a:lnSpc>
+              <a:spcBef>
+                <a:spcPts val="0"/>
+              </a:spcBef>
+              <a:spcAft>
+                <a:spcPts val="0"/>
+              </a:spcAft>
+              <a:buClrTx/>
+              <a:buSzTx/>
+              <a:buFontTx/>
+              <a:buNone/>
+              <a:tabLst/>
+              <a:defRPr/>
+            </a:pPr>
+            <a:r>
+              <a:rPr kumimoji="1" lang="en-US" altLang="ja-JP" dirty="0"/>
+              <a:t>1</a:t>
+            </a:r>
+            <a:r>
+              <a:rPr kumimoji="1" lang="ja-JP" altLang="en-US" dirty="0"/>
+              <a:t>つ目は社内業務での活用で、これは他社の</a:t>
+            </a:r>
+            <a:r>
+              <a:rPr kumimoji="1" lang="en-US" altLang="ja-JP" dirty="0"/>
+              <a:t>AI</a:t>
+            </a:r>
+            <a:r>
+              <a:rPr kumimoji="1" lang="ja-JP" altLang="en-US" dirty="0"/>
+              <a:t>サービスを用いて日々の業務の効率化を図るケースです。</a:t>
+            </a:r>
+            <a:endParaRPr kumimoji="1" lang="en-US" altLang="ja-JP" dirty="0"/>
+          </a:p>
+          <a:p>
+            <a:pPr marL="0" marR="0" lvl="0" indent="0" algn="l" defTabSz="914400" rtl="0" eaLnBrk="1" fontAlgn="auto" latinLnBrk="0" hangingPunct="1">
+              <a:lnSpc>
+                <a:spcPct val="100000"/>
+              </a:lnSpc>
+              <a:spcBef>
+                <a:spcPts val="0"/>
+              </a:spcBef>
+              <a:spcAft>
+                <a:spcPts val="0"/>
+              </a:spcAft>
+              <a:buClrTx/>
+              <a:buSzTx/>
+              <a:buFontTx/>
+              <a:buNone/>
+              <a:tabLst/>
+              <a:defRPr/>
+            </a:pPr>
+            <a:r>
+              <a:rPr kumimoji="1" lang="en-US" altLang="ja-JP" dirty="0"/>
+              <a:t>2</a:t>
+            </a:r>
+            <a:r>
+              <a:rPr kumimoji="1" lang="ja-JP" altLang="en-US" dirty="0"/>
+              <a:t>つ目はビジネス展開への活用で、これは</a:t>
+            </a:r>
+            <a:r>
+              <a:rPr kumimoji="1" lang="en-US" altLang="ja-JP" dirty="0"/>
+              <a:t>AI</a:t>
+            </a:r>
+            <a:r>
+              <a:rPr kumimoji="1" lang="ja-JP" altLang="en-US" dirty="0"/>
+              <a:t>技術に基づいてサービス化して、他社への提供を狙うケースです。</a:t>
+            </a:r>
+            <a:endParaRPr kumimoji="1" lang="en-US" altLang="ja-JP" dirty="0"/>
           </a:p>
         </p:txBody>
       </p:sp>
@@ -901,7 +1543,91 @@
           <a:p>
             <a:fld id="{234BF75D-FAA7-4C74-927E-D481AAC481B6}" type="slidenum">
               <a:rPr kumimoji="1" lang="ja-JP" altLang="en-US" smtClean="0"/>
-              <a:t>11</a:t>
+              <a:t>13</a:t>
+            </a:fld>
+            <a:endParaRPr kumimoji="1" lang="ja-JP" altLang="en-US"/>
+          </a:p>
+        </p:txBody>
+      </p:sp>
+    </p:spTree>
+    <p:extLst>
+      <p:ext uri="{BB962C8B-B14F-4D97-AF65-F5344CB8AC3E}">
+        <p14:creationId xmlns:p14="http://schemas.microsoft.com/office/powerpoint/2010/main" val="2088502752"/>
+      </p:ext>
+    </p:extLst>
+  </p:cSld>
+  <p:clrMapOvr>
+    <a:masterClrMapping/>
+  </p:clrMapOvr>
+</p:notes>
+</file>
+
+<file path=ppt/notesSlides/notesSlide14.xml><?xml version="1.0" encoding="utf-8"?>
+<p:notes xmlns:a="http://schemas.openxmlformats.org/drawingml/2006/main" xmlns:r="http://schemas.openxmlformats.org/officeDocument/2006/relationships" xmlns:p="http://schemas.openxmlformats.org/presentationml/2006/main">
+  <p:cSld>
+    <p:spTree>
+      <p:nvGrpSpPr>
+        <p:cNvPr id="1" name=""/>
+        <p:cNvGrpSpPr/>
+        <p:nvPr/>
+      </p:nvGrpSpPr>
+      <p:grpSpPr>
+        <a:xfrm>
+          <a:off x="0" y="0"/>
+          <a:ext cx="0" cy="0"/>
+          <a:chOff x="0" y="0"/>
+          <a:chExt cx="0" cy="0"/>
+        </a:xfrm>
+      </p:grpSpPr>
+      <p:sp>
+        <p:nvSpPr>
+          <p:cNvPr id="2" name="スライド イメージ プレースホルダー 1"/>
+          <p:cNvSpPr>
+            <a:spLocks noGrp="1" noRot="1" noChangeAspect="1"/>
+          </p:cNvSpPr>
+          <p:nvPr>
+            <p:ph type="sldImg"/>
+          </p:nvPr>
+        </p:nvSpPr>
+        <p:spPr/>
+      </p:sp>
+      <p:sp>
+        <p:nvSpPr>
+          <p:cNvPr id="3" name="ノート プレースホルダー 2"/>
+          <p:cNvSpPr>
+            <a:spLocks noGrp="1"/>
+          </p:cNvSpPr>
+          <p:nvPr>
+            <p:ph type="body" idx="1"/>
+          </p:nvPr>
+        </p:nvSpPr>
+        <p:spPr/>
+        <p:txBody>
+          <a:bodyPr/>
+          <a:lstStyle/>
+          <a:p>
+            <a:endParaRPr kumimoji="1" lang="ja-JP" altLang="en-US" dirty="0"/>
+          </a:p>
+        </p:txBody>
+      </p:sp>
+      <p:sp>
+        <p:nvSpPr>
+          <p:cNvPr id="4" name="スライド番号プレースホルダー 3"/>
+          <p:cNvSpPr>
+            <a:spLocks noGrp="1"/>
+          </p:cNvSpPr>
+          <p:nvPr>
+            <p:ph type="sldNum" sz="quarter" idx="5"/>
+          </p:nvPr>
+        </p:nvSpPr>
+        <p:spPr/>
+        <p:txBody>
+          <a:bodyPr/>
+          <a:lstStyle/>
+          <a:p>
+            <a:fld id="{234BF75D-FAA7-4C74-927E-D481AAC481B6}" type="slidenum">
+              <a:rPr kumimoji="1" lang="ja-JP" altLang="en-US" smtClean="0"/>
+              <a:t>14</a:t>
             </a:fld>
             <a:endParaRPr kumimoji="1" lang="ja-JP" altLang="en-US"/>
           </a:p>
@@ -11221,7 +11947,13 @@
   <p:cSld>
     <p:spTree>
       <p:nvGrpSpPr>
-        <p:cNvPr id="1" name=""/>
+        <p:cNvPr id="1" name="">
+          <a:extLst>
+            <a:ext uri="{FF2B5EF4-FFF2-40B4-BE49-F238E27FC236}">
+              <a16:creationId xmlns:a16="http://schemas.microsoft.com/office/drawing/2014/main" id="{BA2615E8-4DF9-90C5-EE0A-7B94443BB568}"/>
+            </a:ext>
+          </a:extLst>
+        </p:cNvPr>
         <p:cNvGrpSpPr/>
         <p:nvPr/>
       </p:nvGrpSpPr>
@@ -11238,7 +11970,7 @@
           <p:cNvPr id="5" name="タイトル 4">
             <a:extLst>
               <a:ext uri="{FF2B5EF4-FFF2-40B4-BE49-F238E27FC236}">
-                <a16:creationId xmlns:a16="http://schemas.microsoft.com/office/drawing/2014/main" id="{560C5BD5-1532-4087-ACF7-85710DC69FAA}"/>
+                <a16:creationId xmlns:a16="http://schemas.microsoft.com/office/drawing/2014/main" id="{F767065F-8AC7-A1F1-AA8B-353F2F577168}"/>
               </a:ext>
             </a:extLst>
           </p:cNvPr>
@@ -11251,14 +11983,32 @@
         </p:nvSpPr>
         <p:spPr/>
         <p:txBody>
-          <a:bodyPr/>
+          <a:bodyPr>
+            <a:normAutofit/>
+          </a:bodyPr>
           <a:lstStyle/>
           <a:p>
             <a:r>
-              <a:rPr lang="ja-JP" altLang="en-US" dirty="0"/>
-              <a:t>交換会</a:t>
-            </a:r>
-            <a:endParaRPr lang="en-US" dirty="0"/>
+              <a:rPr lang="ja-JP" altLang="en-US" sz="2400" dirty="0"/>
+              <a:t>第</a:t>
+            </a:r>
+            <a:r>
+              <a:rPr lang="en-US" altLang="ja-JP" sz="2400" dirty="0"/>
+              <a:t>3</a:t>
+            </a:r>
+            <a:r>
+              <a:rPr lang="ja-JP" altLang="en-US" sz="2400" dirty="0"/>
+              <a:t>章　水素社会実現の加速化に向けた方向性　</a:t>
+            </a:r>
+            <a:r>
+              <a:rPr lang="en-US" altLang="ja-JP" sz="2400" dirty="0"/>
+              <a:t>3-3</a:t>
+            </a:r>
+            <a:r>
+              <a:rPr lang="ja-JP" altLang="en-US" sz="2400" dirty="0"/>
+              <a:t> 需要面での取り組み</a:t>
+            </a:r>
+            <a:endParaRPr lang="en-US" sz="2400" dirty="0"/>
           </a:p>
         </p:txBody>
       </p:sp>
@@ -11267,7 +12017,7 @@
           <p:cNvPr id="3" name="スライド番号プレースホルダー 2">
             <a:extLst>
               <a:ext uri="{FF2B5EF4-FFF2-40B4-BE49-F238E27FC236}">
-                <a16:creationId xmlns:a16="http://schemas.microsoft.com/office/drawing/2014/main" id="{ED23190D-575C-49DE-8293-87C3C1C8D779}"/>
+                <a16:creationId xmlns:a16="http://schemas.microsoft.com/office/drawing/2014/main" id="{8F554D50-3EB6-136A-77AC-55B7D98BE0E5}"/>
               </a:ext>
             </a:extLst>
           </p:cNvPr>
@@ -11297,7 +12047,7 @@
           <p:cNvPr id="6" name="テキスト プレースホルダー 5">
             <a:extLst>
               <a:ext uri="{FF2B5EF4-FFF2-40B4-BE49-F238E27FC236}">
-                <a16:creationId xmlns:a16="http://schemas.microsoft.com/office/drawing/2014/main" id="{1F609DF4-3152-4D3E-9CA5-170D4BE14906}"/>
+                <a16:creationId xmlns:a16="http://schemas.microsoft.com/office/drawing/2014/main" id="{8FCAEE9D-AEBF-9B01-D8C6-F18962FCABF7}"/>
               </a:ext>
             </a:extLst>
           </p:cNvPr>
@@ -11319,72 +12069,80 @@
           <a:lstStyle/>
           <a:p>
             <a:r>
-              <a:rPr lang="ja-JP" altLang="en-US" dirty="0"/>
-              <a:t>水電解装置のコスト構成は？</a:t>
-            </a:r>
-            <a:endParaRPr lang="en-US" altLang="ja-JP" dirty="0"/>
+              <a:rPr lang="en-US" altLang="ja-JP" sz="1800" dirty="0"/>
+              <a:t>(2) </a:t>
+            </a:r>
+            <a:r>
+              <a:rPr lang="ja-JP" altLang="en-US" sz="1800" dirty="0"/>
+              <a:t>非化石エネルギーへの転換に向けた需要側のルール整備</a:t>
+            </a:r>
+            <a:endParaRPr lang="en-US" altLang="ja-JP" sz="1800" dirty="0"/>
           </a:p>
           <a:p>
             <a:pPr lvl="1"/>
             <a:r>
-              <a:rPr lang="en-US" altLang="ja-JP" dirty="0"/>
-              <a:t>stack</a:t>
-            </a:r>
-            <a:r>
-              <a:rPr lang="ja-JP" altLang="en-US" dirty="0"/>
-              <a:t>が高い（特に膜、イリジウム</a:t>
-            </a:r>
-            <a:r>
-              <a:rPr lang="en-US" altLang="ja-JP" dirty="0"/>
-              <a:t>/Pt</a:t>
-            </a:r>
-            <a:r>
-              <a:rPr lang="ja-JP" altLang="en-US" dirty="0"/>
-              <a:t>）、バランス</a:t>
-            </a:r>
-            <a:r>
-              <a:rPr lang="en-US" altLang="ja-JP" dirty="0"/>
-              <a:t>of plant</a:t>
-            </a:r>
-            <a:r>
-              <a:rPr lang="ja-JP" altLang="en-US" dirty="0"/>
-              <a:t>（電力供給、水素、冷却）</a:t>
-            </a:r>
-            <a:endParaRPr lang="en-US" altLang="ja-JP" dirty="0"/>
+              <a:rPr lang="ja-JP" altLang="en-US" sz="1600" dirty="0"/>
+              <a:t>国が非化石エネルギーへの転換に関する目標の目安を定め、事業者の取組を促す。</a:t>
+            </a:r>
+            <a:endParaRPr lang="en-US" altLang="ja-JP" sz="1600" dirty="0"/>
           </a:p>
           <a:p>
             <a:pPr lvl="1"/>
             <a:r>
-              <a:rPr lang="ja-JP" altLang="en-US" dirty="0"/>
-              <a:t>製造・メンテナンスも</a:t>
-            </a:r>
-            <a:r>
-              <a:rPr lang="ja-JP" altLang="en-US" sz="2400" dirty="0"/>
-              <a:t>、</a:t>
-            </a:r>
+              <a:rPr lang="ja-JP" altLang="en-US" sz="1600" dirty="0"/>
+              <a:t>炭素集約度等に応じた評価を行うことで、産業部門等のクリーン水素への移行を促進する。</a:t>
+            </a:r>
+            <a:endParaRPr lang="en-US" altLang="ja-JP" sz="1600" dirty="0"/>
+          </a:p>
+          <a:p>
             <a:r>
               <a:rPr lang="en-US" altLang="ja-JP" sz="2000" dirty="0"/>
-              <a:t>70</a:t>
+              <a:t>(3) </a:t>
             </a:r>
             <a:r>
               <a:rPr lang="ja-JP" altLang="en-US" sz="2000" dirty="0"/>
-              <a:t>℃で動作、温度上げると劣化も速い</a:t>
+              <a:t>水素化合物としての水素利用</a:t>
             </a:r>
             <a:endParaRPr lang="en-US" altLang="ja-JP" sz="2000" dirty="0"/>
           </a:p>
           <a:p>
-            <a:r>
-              <a:rPr lang="ja-JP" altLang="en-US" dirty="0"/>
-              <a:t>自家消費は別補助金、周辺に供給するものには補助金が付く</a:t>
-            </a:r>
-            <a:endParaRPr lang="en-US" altLang="ja-JP" dirty="0"/>
+            <a:pPr lvl="1"/>
+            <a:r>
+              <a:rPr lang="ja-JP" altLang="en-US" sz="1600" dirty="0"/>
+              <a:t>合成メタンや合成燃料は、既存の都市ガス・石油インフラを活用した導入が可能であることから、利活用の拡大（高温帯の熱需要が必要となる鉄鋼、化学、製造産業など）に向けて、燃焼時の</a:t>
+            </a:r>
+            <a:r>
+              <a:rPr lang="en-US" altLang="ja-JP" sz="1600" dirty="0"/>
+              <a:t>CO2</a:t>
+            </a:r>
+            <a:r>
+              <a:rPr lang="ja-JP" altLang="en-US" sz="1600" dirty="0"/>
+              <a:t>排出の取扱いに関するルール整備に向けて調整を行い、</a:t>
+            </a:r>
+            <a:r>
+              <a:rPr lang="en-US" altLang="ja-JP" sz="1600" dirty="0"/>
+              <a:t>LP</a:t>
+            </a:r>
+            <a:r>
+              <a:rPr lang="ja-JP" altLang="en-US" sz="1600" dirty="0"/>
+              <a:t>ガスも併せて、</a:t>
+            </a:r>
+            <a:r>
+              <a:rPr lang="en-US" altLang="ja-JP" sz="1600" dirty="0"/>
+              <a:t>GI</a:t>
+            </a:r>
+            <a:r>
+              <a:rPr lang="ja-JP" altLang="en-US" sz="1600" dirty="0"/>
+              <a:t>基金を活用した研究開発支援を推進するとともに、実用化・低コスト化に向けて様々な支援の在り方を検討する。</a:t>
+            </a:r>
+            <a:endParaRPr lang="en-US" altLang="ja-JP" sz="1600" dirty="0"/>
           </a:p>
         </p:txBody>
       </p:sp>
     </p:spTree>
     <p:extLst>
       <p:ext uri="{BB962C8B-B14F-4D97-AF65-F5344CB8AC3E}">
-        <p14:creationId xmlns:p14="http://schemas.microsoft.com/office/powerpoint/2010/main" val="3236505722"/>
+        <p14:creationId xmlns:p14="http://schemas.microsoft.com/office/powerpoint/2010/main" val="3669546059"/>
       </p:ext>
     </p:extLst>
   </p:cSld>
@@ -11395,6 +12153,411 @@
 </file>
 
 <file path=ppt/slides/slide11.xml><?xml version="1.0" encoding="utf-8"?>
+<p:sld xmlns:a="http://schemas.openxmlformats.org/drawingml/2006/main" xmlns:r="http://schemas.openxmlformats.org/officeDocument/2006/relationships" xmlns:p="http://schemas.openxmlformats.org/presentationml/2006/main">
+  <p:cSld>
+    <p:spTree>
+      <p:nvGrpSpPr>
+        <p:cNvPr id="1" name="">
+          <a:extLst>
+            <a:ext uri="{FF2B5EF4-FFF2-40B4-BE49-F238E27FC236}">
+              <a16:creationId xmlns:a16="http://schemas.microsoft.com/office/drawing/2014/main" id="{3BBF49C3-3C1F-8173-A0B0-FCF29732F87A}"/>
+            </a:ext>
+          </a:extLst>
+        </p:cNvPr>
+        <p:cNvGrpSpPr/>
+        <p:nvPr/>
+      </p:nvGrpSpPr>
+      <p:grpSpPr>
+        <a:xfrm>
+          <a:off x="0" y="0"/>
+          <a:ext cx="0" cy="0"/>
+          <a:chOff x="0" y="0"/>
+          <a:chExt cx="0" cy="0"/>
+        </a:xfrm>
+      </p:grpSpPr>
+      <p:sp>
+        <p:nvSpPr>
+          <p:cNvPr id="5" name="タイトル 4">
+            <a:extLst>
+              <a:ext uri="{FF2B5EF4-FFF2-40B4-BE49-F238E27FC236}">
+                <a16:creationId xmlns:a16="http://schemas.microsoft.com/office/drawing/2014/main" id="{7C812AF5-95B2-E4D3-BAB9-28BE07C9600D}"/>
+              </a:ext>
+            </a:extLst>
+          </p:cNvPr>
+          <p:cNvSpPr>
+            <a:spLocks noGrp="1"/>
+          </p:cNvSpPr>
+          <p:nvPr>
+            <p:ph type="title"/>
+          </p:nvPr>
+        </p:nvSpPr>
+        <p:spPr/>
+        <p:txBody>
+          <a:bodyPr>
+            <a:normAutofit fontScale="90000"/>
+          </a:bodyPr>
+          <a:lstStyle/>
+          <a:p>
+            <a:r>
+              <a:rPr lang="ja-JP" altLang="en-US" sz="2400" dirty="0"/>
+              <a:t>第</a:t>
+            </a:r>
+            <a:r>
+              <a:rPr lang="en-US" altLang="ja-JP" sz="2400" dirty="0"/>
+              <a:t>3</a:t>
+            </a:r>
+            <a:r>
+              <a:rPr lang="ja-JP" altLang="en-US" sz="2400" dirty="0"/>
+              <a:t>章　水素社会実現の加速化に向けた方向性　</a:t>
+            </a:r>
+            <a:r>
+              <a:rPr lang="en-US" altLang="ja-JP" sz="2400" dirty="0"/>
+              <a:t>3-5 </a:t>
+            </a:r>
+            <a:r>
+              <a:rPr lang="ja-JP" altLang="en-US" sz="2000" dirty="0"/>
+              <a:t>地域における水素利活用の促進及び自治体との連携</a:t>
+            </a:r>
+            <a:endParaRPr lang="en-US" sz="2400" dirty="0"/>
+          </a:p>
+        </p:txBody>
+      </p:sp>
+      <p:sp>
+        <p:nvSpPr>
+          <p:cNvPr id="3" name="スライド番号プレースホルダー 2">
+            <a:extLst>
+              <a:ext uri="{FF2B5EF4-FFF2-40B4-BE49-F238E27FC236}">
+                <a16:creationId xmlns:a16="http://schemas.microsoft.com/office/drawing/2014/main" id="{78D14FC6-ECFC-5FF6-B253-5C3B6B63009C}"/>
+              </a:ext>
+            </a:extLst>
+          </p:cNvPr>
+          <p:cNvSpPr>
+            <a:spLocks noGrp="1"/>
+          </p:cNvSpPr>
+          <p:nvPr>
+            <p:ph type="sldNum" sz="quarter" idx="10"/>
+          </p:nvPr>
+        </p:nvSpPr>
+        <p:spPr/>
+        <p:txBody>
+          <a:bodyPr/>
+          <a:lstStyle/>
+          <a:p>
+            <a:fld id="{584EAAFE-CFE5-40AD-8E95-5BFF290DC5CF}" type="slidenum">
+              <a:rPr kumimoji="1" lang="ja-JP" altLang="en-US" smtClean="0"/>
+              <a:pPr/>
+              <a:t>11</a:t>
+            </a:fld>
+            <a:endParaRPr kumimoji="1" lang="ja-JP" altLang="en-US"/>
+          </a:p>
+        </p:txBody>
+      </p:sp>
+      <p:sp>
+        <p:nvSpPr>
+          <p:cNvPr id="6" name="テキスト プレースホルダー 5">
+            <a:extLst>
+              <a:ext uri="{FF2B5EF4-FFF2-40B4-BE49-F238E27FC236}">
+                <a16:creationId xmlns:a16="http://schemas.microsoft.com/office/drawing/2014/main" id="{83874016-67ED-16C5-A2F2-737AD7264903}"/>
+              </a:ext>
+            </a:extLst>
+          </p:cNvPr>
+          <p:cNvSpPr>
+            <a:spLocks noGrp="1"/>
+          </p:cNvSpPr>
+          <p:nvPr>
+            <p:ph type="body" sz="quarter" idx="11"/>
+          </p:nvPr>
+        </p:nvSpPr>
+        <p:spPr>
+          <a:xfrm>
+            <a:off x="517055" y="1071267"/>
+            <a:ext cx="11341887" cy="495336"/>
+          </a:xfrm>
+        </p:spPr>
+        <p:txBody>
+          <a:bodyPr/>
+          <a:lstStyle/>
+          <a:p>
+            <a:r>
+              <a:rPr lang="ja-JP" altLang="en-US" sz="1800" dirty="0"/>
+              <a:t>地域における水素製造・利活用</a:t>
+            </a:r>
+            <a:endParaRPr lang="en-US" altLang="ja-JP" sz="1800" dirty="0"/>
+          </a:p>
+          <a:p>
+            <a:pPr lvl="1"/>
+            <a:r>
+              <a:rPr lang="ja-JP" altLang="en-US" sz="1400" dirty="0"/>
+              <a:t>地域資源（再生可能エネルギー、副生水素、廃プラスチック、家畜糞尿、下水汚泥、生活ごみ等）を活用した水素の製造、貯蔵、運搬、利活用の各設備とそれらをつなぐインフラネットワークの整備を通じた地域水素サプライチェーン構築を地域特性に応じて、様々な需給を組み合わせた実証モデルの構築を進めることにより、地域に根差した形で促進していくことが重要となる。</a:t>
+            </a:r>
+            <a:endParaRPr lang="en-US" altLang="ja-JP" sz="1400" dirty="0"/>
+          </a:p>
+          <a:p>
+            <a:r>
+              <a:rPr lang="ja-JP" altLang="en-US" sz="1800" dirty="0"/>
+              <a:t>内陸部など需要が分散している地域</a:t>
+            </a:r>
+            <a:endParaRPr lang="en-US" altLang="ja-JP" sz="1800" dirty="0"/>
+          </a:p>
+          <a:p>
+            <a:pPr lvl="1"/>
+            <a:r>
+              <a:rPr lang="ja-JP" altLang="en-US" sz="1400" dirty="0"/>
+              <a:t>再生可能エネルギー等の地域資源を活用してオンサイトで水素を製造し、地域の多様な需要（熱利用、発電、モビリティ、産業、業務、家庭等）で利用する自立分散型、地産地消型モデルの構築に向けた実証等を通じて、地域全体で面的にも拡大しつつ全国各地での水素利活用を推進する。</a:t>
+            </a:r>
+            <a:endParaRPr lang="en-US" altLang="ja-JP" sz="1400" dirty="0"/>
+          </a:p>
+          <a:p>
+            <a:r>
+              <a:rPr lang="ja-JP" altLang="en-US" sz="1800" dirty="0"/>
+              <a:t>横展開</a:t>
+            </a:r>
+            <a:endParaRPr lang="en-US" altLang="ja-JP" sz="1800" dirty="0"/>
+          </a:p>
+          <a:p>
+            <a:pPr lvl="1"/>
+            <a:r>
+              <a:rPr lang="ja-JP" altLang="en-US" sz="1400" dirty="0"/>
+              <a:t>地方自治体のリーダーシップの下、地域内の企業や関係団体との連携・協働や、地域間連携の推進により、ベストプラクティスや知見の共有・横展開を通じて、地域資源を活用した水素製造と多様な需要に応じた水素利活用の更なる促進が期待される。地域資源を活用した地域水素サプライチェーン構築に関する各地のモデル実証について、各種実証事例や水素の基礎情報等についてウェブサイト等を通じて情報発信している。</a:t>
+            </a:r>
+            <a:endParaRPr lang="en-US" altLang="ja-JP" sz="1400" dirty="0"/>
+          </a:p>
+          <a:p>
+            <a:pPr lvl="1"/>
+            <a:r>
+              <a:rPr lang="ja-JP" altLang="en-US" sz="1400" dirty="0"/>
+              <a:t>自治体や企業との連携等による地域の水素需要拡大及び需給の最適化、各種水素関連設備の導入促進や既存インフラの活用による低コスト化、ランニングコストの低減を通じた地域水素サプライチェーンの普及拡大方策の具体化に取り組む。</a:t>
+            </a:r>
+            <a:endParaRPr lang="en-US" altLang="ja-JP" sz="1400" dirty="0"/>
+          </a:p>
+          <a:p>
+            <a:pPr lvl="1"/>
+            <a:r>
+              <a:rPr lang="ja-JP" altLang="en-US" sz="1400" dirty="0"/>
+              <a:t>「福島新エネ社会構想」、山梨の</a:t>
+            </a:r>
+            <a:r>
+              <a:rPr lang="en-US" altLang="ja-JP" sz="1400" dirty="0"/>
+              <a:t>P2G</a:t>
+            </a:r>
+            <a:r>
+              <a:rPr lang="ja-JP" altLang="en-US" sz="1400" dirty="0"/>
+              <a:t>、</a:t>
+            </a:r>
+            <a:endParaRPr lang="en-US" altLang="ja-JP" sz="1400" dirty="0"/>
+          </a:p>
+        </p:txBody>
+      </p:sp>
+    </p:spTree>
+    <p:extLst>
+      <p:ext uri="{BB962C8B-B14F-4D97-AF65-F5344CB8AC3E}">
+        <p14:creationId xmlns:p14="http://schemas.microsoft.com/office/powerpoint/2010/main" val="2345613294"/>
+      </p:ext>
+    </p:extLst>
+  </p:cSld>
+  <p:clrMapOvr>
+    <a:masterClrMapping/>
+  </p:clrMapOvr>
+</p:sld>
+</file>
+
+<file path=ppt/slides/slide12.xml><?xml version="1.0" encoding="utf-8"?>
+<p:sld xmlns:a="http://schemas.openxmlformats.org/drawingml/2006/main" xmlns:r="http://schemas.openxmlformats.org/officeDocument/2006/relationships" xmlns:p="http://schemas.openxmlformats.org/presentationml/2006/main">
+  <p:cSld>
+    <p:spTree>
+      <p:nvGrpSpPr>
+        <p:cNvPr id="1" name="">
+          <a:extLst>
+            <a:ext uri="{FF2B5EF4-FFF2-40B4-BE49-F238E27FC236}">
+              <a16:creationId xmlns:a16="http://schemas.microsoft.com/office/drawing/2014/main" id="{EB78AA63-AB5C-2BAA-A7E5-6F7FE900F311}"/>
+            </a:ext>
+          </a:extLst>
+        </p:cNvPr>
+        <p:cNvGrpSpPr/>
+        <p:nvPr/>
+      </p:nvGrpSpPr>
+      <p:grpSpPr>
+        <a:xfrm>
+          <a:off x="0" y="0"/>
+          <a:ext cx="0" cy="0"/>
+          <a:chOff x="0" y="0"/>
+          <a:chExt cx="0" cy="0"/>
+        </a:xfrm>
+      </p:grpSpPr>
+      <p:sp>
+        <p:nvSpPr>
+          <p:cNvPr id="5" name="タイトル 4">
+            <a:extLst>
+              <a:ext uri="{FF2B5EF4-FFF2-40B4-BE49-F238E27FC236}">
+                <a16:creationId xmlns:a16="http://schemas.microsoft.com/office/drawing/2014/main" id="{E74C6EED-1154-D0E4-7BE2-9B4036E9B666}"/>
+              </a:ext>
+            </a:extLst>
+          </p:cNvPr>
+          <p:cNvSpPr>
+            <a:spLocks noGrp="1"/>
+          </p:cNvSpPr>
+          <p:nvPr>
+            <p:ph type="title"/>
+          </p:nvPr>
+        </p:nvSpPr>
+        <p:spPr/>
+        <p:txBody>
+          <a:bodyPr>
+            <a:normAutofit/>
+          </a:bodyPr>
+          <a:lstStyle/>
+          <a:p>
+            <a:r>
+              <a:rPr lang="ja-JP" altLang="en-US" sz="2400" dirty="0"/>
+              <a:t>第</a:t>
+            </a:r>
+            <a:r>
+              <a:rPr lang="en-US" altLang="ja-JP" sz="2400" dirty="0"/>
+              <a:t>3</a:t>
+            </a:r>
+            <a:r>
+              <a:rPr lang="ja-JP" altLang="en-US" sz="2400" dirty="0"/>
+              <a:t>章　水素社会実現の加速化に向けた方向性　</a:t>
+            </a:r>
+            <a:r>
+              <a:rPr lang="en-US" altLang="ja-JP" sz="2400" dirty="0"/>
+              <a:t>3-6 </a:t>
+            </a:r>
+            <a:r>
+              <a:rPr lang="ja-JP" altLang="en-US" sz="2400" dirty="0"/>
+              <a:t>革新的な技術開発の推進</a:t>
+            </a:r>
+            <a:endParaRPr lang="en-US" sz="2400" dirty="0"/>
+          </a:p>
+        </p:txBody>
+      </p:sp>
+      <p:sp>
+        <p:nvSpPr>
+          <p:cNvPr id="3" name="スライド番号プレースホルダー 2">
+            <a:extLst>
+              <a:ext uri="{FF2B5EF4-FFF2-40B4-BE49-F238E27FC236}">
+                <a16:creationId xmlns:a16="http://schemas.microsoft.com/office/drawing/2014/main" id="{7A43C84B-8C16-AB79-3253-67E2DC605356}"/>
+              </a:ext>
+            </a:extLst>
+          </p:cNvPr>
+          <p:cNvSpPr>
+            <a:spLocks noGrp="1"/>
+          </p:cNvSpPr>
+          <p:nvPr>
+            <p:ph type="sldNum" sz="quarter" idx="10"/>
+          </p:nvPr>
+        </p:nvSpPr>
+        <p:spPr/>
+        <p:txBody>
+          <a:bodyPr/>
+          <a:lstStyle/>
+          <a:p>
+            <a:fld id="{584EAAFE-CFE5-40AD-8E95-5BFF290DC5CF}" type="slidenum">
+              <a:rPr kumimoji="1" lang="ja-JP" altLang="en-US" smtClean="0"/>
+              <a:pPr/>
+              <a:t>12</a:t>
+            </a:fld>
+            <a:endParaRPr kumimoji="1" lang="ja-JP" altLang="en-US"/>
+          </a:p>
+        </p:txBody>
+      </p:sp>
+      <p:sp>
+        <p:nvSpPr>
+          <p:cNvPr id="6" name="テキスト プレースホルダー 5">
+            <a:extLst>
+              <a:ext uri="{FF2B5EF4-FFF2-40B4-BE49-F238E27FC236}">
+                <a16:creationId xmlns:a16="http://schemas.microsoft.com/office/drawing/2014/main" id="{B711F925-E72E-A4B9-9659-61BB771A3F30}"/>
+              </a:ext>
+            </a:extLst>
+          </p:cNvPr>
+          <p:cNvSpPr>
+            <a:spLocks noGrp="1"/>
+          </p:cNvSpPr>
+          <p:nvPr>
+            <p:ph type="body" sz="quarter" idx="11"/>
+          </p:nvPr>
+        </p:nvSpPr>
+        <p:spPr>
+          <a:xfrm>
+            <a:off x="517055" y="1071267"/>
+            <a:ext cx="11341887" cy="495336"/>
+          </a:xfrm>
+        </p:spPr>
+        <p:txBody>
+          <a:bodyPr/>
+          <a:lstStyle/>
+          <a:p>
+            <a:r>
+              <a:rPr lang="en-US" altLang="ja-JP" sz="1800" dirty="0"/>
+              <a:t>2050</a:t>
+            </a:r>
+            <a:r>
+              <a:rPr lang="ja-JP" altLang="en-US" sz="1800" dirty="0"/>
+              <a:t>年を見据えた素利活用の拡大に向けては、「製造」、「輸送・貯蔵」、「利用」において、以下のような革新的技術の研究開発、人材の育成が重要である。</a:t>
+            </a:r>
+            <a:endParaRPr lang="en-US" altLang="ja-JP" sz="1800" dirty="0"/>
+          </a:p>
+          <a:p>
+            <a:r>
+              <a:rPr lang="ja-JP" altLang="en-US" sz="1800" dirty="0"/>
+              <a:t>製造</a:t>
+            </a:r>
+            <a:endParaRPr lang="en-US" altLang="ja-JP" sz="1800" dirty="0"/>
+          </a:p>
+          <a:p>
+            <a:pPr lvl="1"/>
+            <a:r>
+              <a:rPr lang="ja-JP" altLang="en-US" sz="1400" dirty="0"/>
+              <a:t>高効率・高耐久・低コストな水電解技術、高温ガス炉等の高温熱源やメタンの熱分解、光触媒などを活用した水素製造技術</a:t>
+            </a:r>
+            <a:endParaRPr lang="en-US" altLang="ja-JP" sz="1400" dirty="0"/>
+          </a:p>
+          <a:p>
+            <a:r>
+              <a:rPr lang="ja-JP" altLang="en-US" sz="1800" dirty="0"/>
+              <a:t>輸送・貯蔵</a:t>
+            </a:r>
+            <a:endParaRPr lang="en-US" altLang="ja-JP" sz="1800" dirty="0"/>
+          </a:p>
+          <a:p>
+            <a:pPr lvl="1"/>
+            <a:r>
+              <a:rPr lang="ja-JP" altLang="en-US" sz="1400" dirty="0"/>
+              <a:t>高効率水素液化機、水素吸蔵合金などの輸送・貯蔵技術、水素キャリアのコスト低減及びアンモニアクラッキング（分解）技術</a:t>
+            </a:r>
+            <a:endParaRPr lang="en-US" altLang="ja-JP" sz="1400" dirty="0"/>
+          </a:p>
+          <a:p>
+            <a:r>
+              <a:rPr lang="ja-JP" altLang="en-US" sz="1800" dirty="0"/>
+              <a:t>利用</a:t>
+            </a:r>
+            <a:endParaRPr lang="en-US" altLang="ja-JP" sz="1800" dirty="0"/>
+          </a:p>
+          <a:p>
+            <a:pPr lvl="1"/>
+            <a:r>
+              <a:rPr lang="ja-JP" altLang="en-US" sz="1400" dirty="0"/>
+              <a:t>高効率・高耐久・低コストな燃料電池技術、合成メタンや合成燃料などのカーボンリサイクル製品の製造技術開発</a:t>
+            </a:r>
+            <a:endParaRPr lang="en-US" altLang="ja-JP" sz="1400" dirty="0"/>
+          </a:p>
+        </p:txBody>
+      </p:sp>
+    </p:spTree>
+    <p:extLst>
+      <p:ext uri="{BB962C8B-B14F-4D97-AF65-F5344CB8AC3E}">
+        <p14:creationId xmlns:p14="http://schemas.microsoft.com/office/powerpoint/2010/main" val="187496292"/>
+      </p:ext>
+    </p:extLst>
+  </p:cSld>
+  <p:clrMapOvr>
+    <a:masterClrMapping/>
+  </p:clrMapOvr>
+</p:sld>
+</file>
+
+<file path=ppt/slides/slide13.xml><?xml version="1.0" encoding="utf-8"?>
 <p:sld xmlns:a="http://schemas.openxmlformats.org/drawingml/2006/main" xmlns:r="http://schemas.openxmlformats.org/officeDocument/2006/relationships" xmlns:p="http://schemas.openxmlformats.org/presentationml/2006/main">
   <p:cSld>
     <p:spTree>
@@ -11413,6 +12576,184 @@
       </p:grpSpPr>
       <p:sp>
         <p:nvSpPr>
+          <p:cNvPr id="5" name="タイトル 4">
+            <a:extLst>
+              <a:ext uri="{FF2B5EF4-FFF2-40B4-BE49-F238E27FC236}">
+                <a16:creationId xmlns:a16="http://schemas.microsoft.com/office/drawing/2014/main" id="{560C5BD5-1532-4087-ACF7-85710DC69FAA}"/>
+              </a:ext>
+            </a:extLst>
+          </p:cNvPr>
+          <p:cNvSpPr>
+            <a:spLocks noGrp="1"/>
+          </p:cNvSpPr>
+          <p:nvPr>
+            <p:ph type="title"/>
+          </p:nvPr>
+        </p:nvSpPr>
+        <p:spPr/>
+        <p:txBody>
+          <a:bodyPr/>
+          <a:lstStyle/>
+          <a:p>
+            <a:r>
+              <a:rPr lang="ja-JP" altLang="en-US" dirty="0"/>
+              <a:t>交換会</a:t>
+            </a:r>
+            <a:endParaRPr lang="en-US" dirty="0"/>
+          </a:p>
+        </p:txBody>
+      </p:sp>
+      <p:sp>
+        <p:nvSpPr>
+          <p:cNvPr id="3" name="スライド番号プレースホルダー 2">
+            <a:extLst>
+              <a:ext uri="{FF2B5EF4-FFF2-40B4-BE49-F238E27FC236}">
+                <a16:creationId xmlns:a16="http://schemas.microsoft.com/office/drawing/2014/main" id="{ED23190D-575C-49DE-8293-87C3C1C8D779}"/>
+              </a:ext>
+            </a:extLst>
+          </p:cNvPr>
+          <p:cNvSpPr>
+            <a:spLocks noGrp="1"/>
+          </p:cNvSpPr>
+          <p:nvPr>
+            <p:ph type="sldNum" sz="quarter" idx="10"/>
+          </p:nvPr>
+        </p:nvSpPr>
+        <p:spPr/>
+        <p:txBody>
+          <a:bodyPr/>
+          <a:lstStyle/>
+          <a:p>
+            <a:fld id="{584EAAFE-CFE5-40AD-8E95-5BFF290DC5CF}" type="slidenum">
+              <a:rPr kumimoji="1" lang="ja-JP" altLang="en-US" smtClean="0"/>
+              <a:pPr/>
+              <a:t>13</a:t>
+            </a:fld>
+            <a:endParaRPr kumimoji="1" lang="ja-JP" altLang="en-US"/>
+          </a:p>
+        </p:txBody>
+      </p:sp>
+      <p:sp>
+        <p:nvSpPr>
+          <p:cNvPr id="6" name="テキスト プレースホルダー 5">
+            <a:extLst>
+              <a:ext uri="{FF2B5EF4-FFF2-40B4-BE49-F238E27FC236}">
+                <a16:creationId xmlns:a16="http://schemas.microsoft.com/office/drawing/2014/main" id="{1F609DF4-3152-4D3E-9CA5-170D4BE14906}"/>
+              </a:ext>
+            </a:extLst>
+          </p:cNvPr>
+          <p:cNvSpPr>
+            <a:spLocks noGrp="1"/>
+          </p:cNvSpPr>
+          <p:nvPr>
+            <p:ph type="body" sz="quarter" idx="11"/>
+          </p:nvPr>
+        </p:nvSpPr>
+        <p:spPr>
+          <a:xfrm>
+            <a:off x="517055" y="1071267"/>
+            <a:ext cx="11341887" cy="495336"/>
+          </a:xfrm>
+        </p:spPr>
+        <p:txBody>
+          <a:bodyPr/>
+          <a:lstStyle/>
+          <a:p>
+            <a:r>
+              <a:rPr lang="ja-JP" altLang="en-US" dirty="0"/>
+              <a:t>水電解装置のコスト構成は？</a:t>
+            </a:r>
+            <a:endParaRPr lang="en-US" altLang="ja-JP" dirty="0"/>
+          </a:p>
+          <a:p>
+            <a:pPr lvl="1"/>
+            <a:r>
+              <a:rPr lang="en-US" altLang="ja-JP" dirty="0"/>
+              <a:t>stack</a:t>
+            </a:r>
+            <a:r>
+              <a:rPr lang="ja-JP" altLang="en-US" dirty="0"/>
+              <a:t>が高い（特に膜、イリジウム</a:t>
+            </a:r>
+            <a:r>
+              <a:rPr lang="en-US" altLang="ja-JP" dirty="0"/>
+              <a:t>/Pt</a:t>
+            </a:r>
+            <a:r>
+              <a:rPr lang="ja-JP" altLang="en-US" dirty="0"/>
+              <a:t>）、バランス</a:t>
+            </a:r>
+            <a:r>
+              <a:rPr lang="en-US" altLang="ja-JP" dirty="0"/>
+              <a:t>of plant</a:t>
+            </a:r>
+            <a:r>
+              <a:rPr lang="ja-JP" altLang="en-US" dirty="0"/>
+              <a:t>（電力供給、水素、冷却）</a:t>
+            </a:r>
+            <a:endParaRPr lang="en-US" altLang="ja-JP" dirty="0"/>
+          </a:p>
+          <a:p>
+            <a:pPr lvl="1"/>
+            <a:r>
+              <a:rPr lang="ja-JP" altLang="en-US" dirty="0"/>
+              <a:t>製造・メンテナンスも</a:t>
+            </a:r>
+            <a:r>
+              <a:rPr lang="ja-JP" altLang="en-US" sz="2400" dirty="0"/>
+              <a:t>、</a:t>
+            </a:r>
+            <a:r>
+              <a:rPr lang="en-US" altLang="ja-JP" sz="2000" dirty="0"/>
+              <a:t>70</a:t>
+            </a:r>
+            <a:r>
+              <a:rPr lang="ja-JP" altLang="en-US" sz="2000" dirty="0"/>
+              <a:t>℃で動作、温度上げると劣化も速い</a:t>
+            </a:r>
+            <a:endParaRPr lang="en-US" altLang="ja-JP" sz="2000" dirty="0"/>
+          </a:p>
+          <a:p>
+            <a:r>
+              <a:rPr lang="ja-JP" altLang="en-US" dirty="0"/>
+              <a:t>自家消費は別補助金、周辺に供給するものには補助金が付く</a:t>
+            </a:r>
+            <a:endParaRPr lang="en-US" altLang="ja-JP" dirty="0"/>
+          </a:p>
+        </p:txBody>
+      </p:sp>
+    </p:spTree>
+    <p:extLst>
+      <p:ext uri="{BB962C8B-B14F-4D97-AF65-F5344CB8AC3E}">
+        <p14:creationId xmlns:p14="http://schemas.microsoft.com/office/powerpoint/2010/main" val="3236505722"/>
+      </p:ext>
+    </p:extLst>
+  </p:cSld>
+  <p:clrMapOvr>
+    <a:masterClrMapping/>
+  </p:clrMapOvr>
+</p:sld>
+</file>
+
+<file path=ppt/slides/slide14.xml><?xml version="1.0" encoding="utf-8"?>
+<p:sld xmlns:a="http://schemas.openxmlformats.org/drawingml/2006/main" xmlns:r="http://schemas.openxmlformats.org/officeDocument/2006/relationships" xmlns:p="http://schemas.openxmlformats.org/presentationml/2006/main">
+  <p:cSld>
+    <p:spTree>
+      <p:nvGrpSpPr>
+        <p:cNvPr id="1" name=""/>
+        <p:cNvGrpSpPr/>
+        <p:nvPr/>
+      </p:nvGrpSpPr>
+      <p:grpSpPr>
+        <a:xfrm>
+          <a:off x="0" y="0"/>
+          <a:ext cx="0" cy="0"/>
+          <a:chOff x="0" y="0"/>
+          <a:chExt cx="0" cy="0"/>
+        </a:xfrm>
+      </p:grpSpPr>
+      <p:sp>
+        <p:nvSpPr>
           <p:cNvPr id="2" name="スライド番号プレースホルダー 1">
             <a:extLst>
               <a:ext uri="{FF2B5EF4-FFF2-40B4-BE49-F238E27FC236}">
@@ -11435,7 +12776,7 @@
             <a:fld id="{B3001740-FA51-4383-A84C-3DA006D12C29}" type="slidenum">
               <a:rPr lang="ja-JP" altLang="en-US" smtClean="0"/>
               <a:pPr/>
-              <a:t>11</a:t>
+              <a:t>14</a:t>
             </a:fld>
             <a:endParaRPr lang="ja-JP" altLang="en-US" dirty="0"/>
           </a:p>
@@ -12900,6 +14241,10 @@
           </a:p>
           <a:p>
             <a:r>
+              <a:rPr lang="en-US" altLang="ja-JP" sz="2000" dirty="0"/>
+              <a:t>A. </a:t>
+            </a:r>
+            <a:r>
               <a:rPr lang="ja-JP" altLang="en-US" sz="2000" dirty="0"/>
               <a:t>発電</a:t>
             </a:r>
@@ -12923,6 +14268,10 @@
           </a:p>
           <a:p>
             <a:r>
+              <a:rPr lang="en-US" altLang="ja-JP" sz="2000" dirty="0"/>
+              <a:t>B. </a:t>
+            </a:r>
+            <a:r>
               <a:rPr lang="ja-JP" altLang="en-US" sz="2000" dirty="0"/>
               <a:t>燃料電池（モビリティ・動力）</a:t>
             </a:r>
@@ -12937,6 +14286,10 @@
             <a:endParaRPr lang="en-US" altLang="ja-JP" sz="1600" dirty="0"/>
           </a:p>
           <a:p>
+            <a:r>
+              <a:rPr lang="en-US" altLang="ja-JP" sz="2000" dirty="0"/>
+              <a:t>C. </a:t>
+            </a:r>
             <a:r>
               <a:rPr lang="ja-JP" altLang="en-US" sz="2000" dirty="0"/>
               <a:t>熱・原料利用</a:t>
